--- a/slides/0412Recitation.pptx
+++ b/slides/0412Recitation.pptx
@@ -6627,7 +6627,7 @@
         <p:spPr/>
         <p:txBody>
           <a:bodyPr>
-            <a:normAutofit fontScale="77500" lnSpcReduction="20000"/>
+            <a:normAutofit fontScale="85000" lnSpcReduction="20000"/>
           </a:bodyPr>
           <a:lstStyle/>
           <a:p>
@@ -6663,18 +6663,13 @@
             <a:r>
               <a:rPr lang="en-US" dirty="0">
                 <a:sym typeface="Wingdings" panose="05000000000000000000" pitchFamily="2" charset="2"/>
+                <a:hlinkClick r:id="rId3"/>
               </a:rPr>
-              <a:t>Pseudo code:</a:t>
-            </a:r>
-          </a:p>
-          <a:p>
-            <a:pPr lvl="1"/>
-            <a:r>
-              <a:rPr lang="en-US" dirty="0">
-                <a:sym typeface="Wingdings" panose="05000000000000000000" pitchFamily="2" charset="2"/>
-              </a:rPr>
-              <a:t>Placeholder</a:t>
-            </a:r>
+              <a:t>Pseudo code</a:t>
+            </a:r>
+            <a:endParaRPr lang="en-US" dirty="0">
+              <a:sym typeface="Wingdings" panose="05000000000000000000" pitchFamily="2" charset="2"/>
+            </a:endParaRPr>
           </a:p>
           <a:p>
             <a:r>
@@ -6708,17 +6703,8 @@
               <a:rPr lang="en-US" dirty="0">
                 <a:sym typeface="Wingdings" panose="05000000000000000000" pitchFamily="2" charset="2"/>
               </a:rPr>
-              <a:t>To further incentivize early and proper completion of A5 there is an option to exempt yourself from the final </a:t>
-            </a:r>
-            <a:r>
-              <a:rPr lang="en-US">
-                <a:sym typeface="Wingdings" panose="05000000000000000000" pitchFamily="2" charset="2"/>
-              </a:rPr>
-              <a:t>exam.</a:t>
-            </a:r>
-            <a:endParaRPr lang="en-US" dirty="0">
-              <a:sym typeface="Wingdings" panose="05000000000000000000" pitchFamily="2" charset="2"/>
-            </a:endParaRPr>
+              <a:t>To further incentivize early and proper completion of A5 there is an option to exempt yourself from the final exam.</a:t>
+            </a:r>
           </a:p>
           <a:p>
             <a:pPr lvl="2"/>
